--- a/pres.pptx
+++ b/pres.pptx
@@ -196,7 +196,7 @@
           <a:bodyPr lIns="0" rIns="0" tIns="0" bIns="0" anchor="b"/>
           <a:p>
             <a:pPr algn="r"/>
-            <a:fld id="{5B06EE37-C607-428E-AA0C-7AD0EE8A2EDF}" type="slidenum">
+            <a:fld id="{4A4996F2-66DA-48D2-8F30-EB8CC2C31208}" type="slidenum">
               <a:rPr lang="ru-RU" sz="1400" spc="-1">
                 <a:latin typeface="Times New Roman"/>
               </a:rPr>
@@ -231,14 +231,14 @@
       </p:grpSpPr>
       <p:sp>
         <p:nvSpPr>
-          <p:cNvPr id="202" name="CustomShape 1"/>
+          <p:cNvPr id="201" name="CustomShape 1"/>
           <p:cNvSpPr/>
           <p:nvPr/>
         </p:nvSpPr>
         <p:spPr>
           <a:xfrm>
             <a:off x="4278240" y="10156680"/>
-            <a:ext cx="3275640" cy="529200"/>
+            <a:ext cx="3275280" cy="528840"/>
           </a:xfrm>
           <a:prstGeom prst="rect">
             <a:avLst/>
@@ -262,7 +262,7 @@
                 <a:spcPct val="100000"/>
               </a:lnSpc>
             </a:pPr>
-            <a:fld id="{1E1EC8B4-44D5-4ED6-AA22-B921B7A40866}" type="slidenum">
+            <a:fld id="{E0C0E6C0-755A-46D9-9F2A-FED4993FF494}" type="slidenum">
               <a:rPr lang="ru-RU" sz="1400" spc="-1" strike="noStrike">
                 <a:solidFill>
                   <a:srgbClr val="000000"/>
@@ -283,14 +283,14 @@
       </p:sp>
       <p:sp>
         <p:nvSpPr>
-          <p:cNvPr id="203" name="CustomShape 2"/>
+          <p:cNvPr id="202" name="CustomShape 2"/>
           <p:cNvSpPr/>
           <p:nvPr/>
         </p:nvSpPr>
         <p:spPr>
           <a:xfrm>
             <a:off x="755640" y="5078520"/>
-            <a:ext cx="6047280" cy="4810680"/>
+            <a:ext cx="6046920" cy="4810320"/>
           </a:xfrm>
           <a:prstGeom prst="rect">
             <a:avLst/>
@@ -331,14 +331,14 @@
       </p:grpSpPr>
       <p:sp>
         <p:nvSpPr>
-          <p:cNvPr id="220" name="CustomShape 1"/>
+          <p:cNvPr id="219" name="CustomShape 1"/>
           <p:cNvSpPr/>
           <p:nvPr/>
         </p:nvSpPr>
         <p:spPr>
           <a:xfrm>
             <a:off x="4278240" y="10156680"/>
-            <a:ext cx="3275640" cy="529200"/>
+            <a:ext cx="3275280" cy="528840"/>
           </a:xfrm>
           <a:prstGeom prst="rect">
             <a:avLst/>
@@ -362,7 +362,7 @@
                 <a:spcPct val="100000"/>
               </a:lnSpc>
             </a:pPr>
-            <a:fld id="{65D33DA2-9943-4288-A421-79BC4496FC21}" type="slidenum">
+            <a:fld id="{F2BBEA56-8B53-4DD2-A28C-F897CB408832}" type="slidenum">
               <a:rPr lang="ru-RU" sz="1400" spc="-1" strike="noStrike">
                 <a:solidFill>
                   <a:srgbClr val="000000"/>
@@ -383,14 +383,14 @@
       </p:sp>
       <p:sp>
         <p:nvSpPr>
-          <p:cNvPr id="221" name="CustomShape 2"/>
+          <p:cNvPr id="220" name="CustomShape 2"/>
           <p:cNvSpPr/>
           <p:nvPr/>
         </p:nvSpPr>
         <p:spPr>
           <a:xfrm>
             <a:off x="755640" y="5078520"/>
-            <a:ext cx="6047280" cy="4810680"/>
+            <a:ext cx="6046920" cy="4810320"/>
           </a:xfrm>
           <a:prstGeom prst="rect">
             <a:avLst/>
@@ -431,14 +431,14 @@
       </p:grpSpPr>
       <p:sp>
         <p:nvSpPr>
-          <p:cNvPr id="204" name="CustomShape 1"/>
+          <p:cNvPr id="203" name="CustomShape 1"/>
           <p:cNvSpPr/>
           <p:nvPr/>
         </p:nvSpPr>
         <p:spPr>
           <a:xfrm>
             <a:off x="4278240" y="10156680"/>
-            <a:ext cx="3275640" cy="529200"/>
+            <a:ext cx="3275280" cy="528840"/>
           </a:xfrm>
           <a:prstGeom prst="rect">
             <a:avLst/>
@@ -462,7 +462,7 @@
                 <a:spcPct val="100000"/>
               </a:lnSpc>
             </a:pPr>
-            <a:fld id="{D26C0912-0A63-4E30-9C62-EB9E1AF79AEC}" type="slidenum">
+            <a:fld id="{E6DD4693-2F3C-4E3B-AA71-99991A76B266}" type="slidenum">
               <a:rPr lang="ru-RU" sz="1400" spc="-1" strike="noStrike">
                 <a:solidFill>
                   <a:srgbClr val="000000"/>
@@ -483,14 +483,14 @@
       </p:sp>
       <p:sp>
         <p:nvSpPr>
-          <p:cNvPr id="205" name="CustomShape 2"/>
+          <p:cNvPr id="204" name="CustomShape 2"/>
           <p:cNvSpPr/>
           <p:nvPr/>
         </p:nvSpPr>
         <p:spPr>
           <a:xfrm>
             <a:off x="755640" y="5078520"/>
-            <a:ext cx="6047280" cy="4810680"/>
+            <a:ext cx="6046920" cy="4810320"/>
           </a:xfrm>
           <a:prstGeom prst="rect">
             <a:avLst/>
@@ -531,14 +531,14 @@
       </p:grpSpPr>
       <p:sp>
         <p:nvSpPr>
-          <p:cNvPr id="206" name="CustomShape 1"/>
+          <p:cNvPr id="205" name="CustomShape 1"/>
           <p:cNvSpPr/>
           <p:nvPr/>
         </p:nvSpPr>
         <p:spPr>
           <a:xfrm>
             <a:off x="4278240" y="10156680"/>
-            <a:ext cx="3275640" cy="529200"/>
+            <a:ext cx="3275280" cy="528840"/>
           </a:xfrm>
           <a:prstGeom prst="rect">
             <a:avLst/>
@@ -562,7 +562,7 @@
                 <a:spcPct val="100000"/>
               </a:lnSpc>
             </a:pPr>
-            <a:fld id="{1BFA2B15-5437-4C59-975B-8783E064FBFB}" type="slidenum">
+            <a:fld id="{23B9F85F-94E0-4717-9097-048773E4BEB5}" type="slidenum">
               <a:rPr lang="ru-RU" sz="1400" spc="-1" strike="noStrike">
                 <a:solidFill>
                   <a:srgbClr val="000000"/>
@@ -583,14 +583,14 @@
       </p:sp>
       <p:sp>
         <p:nvSpPr>
-          <p:cNvPr id="207" name="CustomShape 2"/>
+          <p:cNvPr id="206" name="CustomShape 2"/>
           <p:cNvSpPr/>
           <p:nvPr/>
         </p:nvSpPr>
         <p:spPr>
           <a:xfrm>
             <a:off x="755640" y="5078520"/>
-            <a:ext cx="6047280" cy="4810680"/>
+            <a:ext cx="6046920" cy="4810320"/>
           </a:xfrm>
           <a:prstGeom prst="rect">
             <a:avLst/>
@@ -631,14 +631,14 @@
       </p:grpSpPr>
       <p:sp>
         <p:nvSpPr>
-          <p:cNvPr id="208" name="CustomShape 1"/>
+          <p:cNvPr id="207" name="CustomShape 1"/>
           <p:cNvSpPr/>
           <p:nvPr/>
         </p:nvSpPr>
         <p:spPr>
           <a:xfrm>
             <a:off x="4278240" y="10156680"/>
-            <a:ext cx="3275640" cy="529200"/>
+            <a:ext cx="3275280" cy="528840"/>
           </a:xfrm>
           <a:prstGeom prst="rect">
             <a:avLst/>
@@ -662,7 +662,7 @@
                 <a:spcPct val="100000"/>
               </a:lnSpc>
             </a:pPr>
-            <a:fld id="{5DB7533E-2658-41A4-BDE4-6AD1236F7A61}" type="slidenum">
+            <a:fld id="{24A47F1A-9C5C-4788-AA43-DD20D102AC31}" type="slidenum">
               <a:rPr lang="ru-RU" sz="1400" spc="-1" strike="noStrike">
                 <a:solidFill>
                   <a:srgbClr val="000000"/>
@@ -683,14 +683,14 @@
       </p:sp>
       <p:sp>
         <p:nvSpPr>
-          <p:cNvPr id="209" name="CustomShape 2"/>
+          <p:cNvPr id="208" name="CustomShape 2"/>
           <p:cNvSpPr/>
           <p:nvPr/>
         </p:nvSpPr>
         <p:spPr>
           <a:xfrm>
             <a:off x="755640" y="5078520"/>
-            <a:ext cx="6047280" cy="4810680"/>
+            <a:ext cx="6046920" cy="4810320"/>
           </a:xfrm>
           <a:prstGeom prst="rect">
             <a:avLst/>
@@ -731,14 +731,14 @@
       </p:grpSpPr>
       <p:sp>
         <p:nvSpPr>
-          <p:cNvPr id="210" name="CustomShape 1"/>
+          <p:cNvPr id="209" name="CustomShape 1"/>
           <p:cNvSpPr/>
           <p:nvPr/>
         </p:nvSpPr>
         <p:spPr>
           <a:xfrm>
             <a:off x="4278240" y="10156680"/>
-            <a:ext cx="3275640" cy="529200"/>
+            <a:ext cx="3275280" cy="528840"/>
           </a:xfrm>
           <a:prstGeom prst="rect">
             <a:avLst/>
@@ -762,7 +762,7 @@
                 <a:spcPct val="100000"/>
               </a:lnSpc>
             </a:pPr>
-            <a:fld id="{D96A7AE0-6B07-408E-937E-FA9C2B36DBA6}" type="slidenum">
+            <a:fld id="{C0248E9F-D37D-48B0-B9AC-067E07BE302B}" type="slidenum">
               <a:rPr lang="ru-RU" sz="1400" spc="-1" strike="noStrike">
                 <a:solidFill>
                   <a:srgbClr val="000000"/>
@@ -783,14 +783,14 @@
       </p:sp>
       <p:sp>
         <p:nvSpPr>
-          <p:cNvPr id="211" name="CustomShape 2"/>
+          <p:cNvPr id="210" name="CustomShape 2"/>
           <p:cNvSpPr/>
           <p:nvPr/>
         </p:nvSpPr>
         <p:spPr>
           <a:xfrm>
             <a:off x="755640" y="5078520"/>
-            <a:ext cx="6047280" cy="4810680"/>
+            <a:ext cx="6046920" cy="4810320"/>
           </a:xfrm>
           <a:prstGeom prst="rect">
             <a:avLst/>
@@ -831,14 +831,14 @@
       </p:grpSpPr>
       <p:sp>
         <p:nvSpPr>
-          <p:cNvPr id="212" name="CustomShape 1"/>
+          <p:cNvPr id="211" name="CustomShape 1"/>
           <p:cNvSpPr/>
           <p:nvPr/>
         </p:nvSpPr>
         <p:spPr>
           <a:xfrm>
             <a:off x="4278240" y="10156680"/>
-            <a:ext cx="3275640" cy="529200"/>
+            <a:ext cx="3275280" cy="528840"/>
           </a:xfrm>
           <a:prstGeom prst="rect">
             <a:avLst/>
@@ -862,7 +862,7 @@
                 <a:spcPct val="100000"/>
               </a:lnSpc>
             </a:pPr>
-            <a:fld id="{AC87DB49-1D1C-43A4-9375-E08BDBD627A1}" type="slidenum">
+            <a:fld id="{CBDD37BF-E11C-463E-80EC-517ED4ACD68B}" type="slidenum">
               <a:rPr lang="ru-RU" sz="1400" spc="-1" strike="noStrike">
                 <a:solidFill>
                   <a:srgbClr val="000000"/>
@@ -883,14 +883,14 @@
       </p:sp>
       <p:sp>
         <p:nvSpPr>
-          <p:cNvPr id="213" name="CustomShape 2"/>
+          <p:cNvPr id="212" name="CustomShape 2"/>
           <p:cNvSpPr/>
           <p:nvPr/>
         </p:nvSpPr>
         <p:spPr>
           <a:xfrm>
             <a:off x="755640" y="5078520"/>
-            <a:ext cx="6047280" cy="4810680"/>
+            <a:ext cx="6046920" cy="4810320"/>
           </a:xfrm>
           <a:prstGeom prst="rect">
             <a:avLst/>
@@ -931,14 +931,14 @@
       </p:grpSpPr>
       <p:sp>
         <p:nvSpPr>
-          <p:cNvPr id="214" name="CustomShape 1"/>
+          <p:cNvPr id="213" name="CustomShape 1"/>
           <p:cNvSpPr/>
           <p:nvPr/>
         </p:nvSpPr>
         <p:spPr>
           <a:xfrm>
             <a:off x="4278240" y="10156680"/>
-            <a:ext cx="3275640" cy="529200"/>
+            <a:ext cx="3275280" cy="528840"/>
           </a:xfrm>
           <a:prstGeom prst="rect">
             <a:avLst/>
@@ -962,7 +962,7 @@
                 <a:spcPct val="100000"/>
               </a:lnSpc>
             </a:pPr>
-            <a:fld id="{32809C74-0C28-4D66-818B-910C2E584211}" type="slidenum">
+            <a:fld id="{C58B10AE-D52D-4881-AA7A-0D19CFC540D3}" type="slidenum">
               <a:rPr lang="ru-RU" sz="1400" spc="-1" strike="noStrike">
                 <a:solidFill>
                   <a:srgbClr val="000000"/>
@@ -983,14 +983,14 @@
       </p:sp>
       <p:sp>
         <p:nvSpPr>
-          <p:cNvPr id="215" name="CustomShape 2"/>
+          <p:cNvPr id="214" name="CustomShape 2"/>
           <p:cNvSpPr/>
           <p:nvPr/>
         </p:nvSpPr>
         <p:spPr>
           <a:xfrm>
             <a:off x="755640" y="5078520"/>
-            <a:ext cx="6047280" cy="4810680"/>
+            <a:ext cx="6046920" cy="4810320"/>
           </a:xfrm>
           <a:prstGeom prst="rect">
             <a:avLst/>
@@ -1031,14 +1031,14 @@
       </p:grpSpPr>
       <p:sp>
         <p:nvSpPr>
-          <p:cNvPr id="216" name="CustomShape 1"/>
+          <p:cNvPr id="215" name="CustomShape 1"/>
           <p:cNvSpPr/>
           <p:nvPr/>
         </p:nvSpPr>
         <p:spPr>
           <a:xfrm>
             <a:off x="4278240" y="10156680"/>
-            <a:ext cx="3275640" cy="529200"/>
+            <a:ext cx="3275280" cy="528840"/>
           </a:xfrm>
           <a:prstGeom prst="rect">
             <a:avLst/>
@@ -1062,7 +1062,7 @@
                 <a:spcPct val="100000"/>
               </a:lnSpc>
             </a:pPr>
-            <a:fld id="{9AF95679-0A6A-4AE0-96F9-1F8274D547DF}" type="slidenum">
+            <a:fld id="{CAE1972D-2483-4F4B-BE8F-523E559F83CF}" type="slidenum">
               <a:rPr lang="ru-RU" sz="1400" spc="-1" strike="noStrike">
                 <a:solidFill>
                   <a:srgbClr val="000000"/>
@@ -1083,14 +1083,14 @@
       </p:sp>
       <p:sp>
         <p:nvSpPr>
-          <p:cNvPr id="217" name="CustomShape 2"/>
+          <p:cNvPr id="216" name="CustomShape 2"/>
           <p:cNvSpPr/>
           <p:nvPr/>
         </p:nvSpPr>
         <p:spPr>
           <a:xfrm>
             <a:off x="755640" y="5078520"/>
-            <a:ext cx="6047280" cy="4810680"/>
+            <a:ext cx="6046920" cy="4810320"/>
           </a:xfrm>
           <a:prstGeom prst="rect">
             <a:avLst/>
@@ -1131,14 +1131,14 @@
       </p:grpSpPr>
       <p:sp>
         <p:nvSpPr>
-          <p:cNvPr id="218" name="CustomShape 1"/>
+          <p:cNvPr id="217" name="CustomShape 1"/>
           <p:cNvSpPr/>
           <p:nvPr/>
         </p:nvSpPr>
         <p:spPr>
           <a:xfrm>
             <a:off x="4278240" y="10156680"/>
-            <a:ext cx="3275640" cy="529200"/>
+            <a:ext cx="3275280" cy="528840"/>
           </a:xfrm>
           <a:prstGeom prst="rect">
             <a:avLst/>
@@ -1162,7 +1162,7 @@
                 <a:spcPct val="100000"/>
               </a:lnSpc>
             </a:pPr>
-            <a:fld id="{78EF8C30-B4DD-4CB3-A6C5-20082B78483A}" type="slidenum">
+            <a:fld id="{1FE4C14E-FF0A-4D11-B9B9-93EE313241ED}" type="slidenum">
               <a:rPr lang="ru-RU" sz="1400" spc="-1" strike="noStrike">
                 <a:solidFill>
                   <a:srgbClr val="000000"/>
@@ -1183,14 +1183,14 @@
       </p:sp>
       <p:sp>
         <p:nvSpPr>
-          <p:cNvPr id="219" name="CustomShape 2"/>
+          <p:cNvPr id="218" name="CustomShape 2"/>
           <p:cNvSpPr/>
           <p:nvPr/>
         </p:nvSpPr>
         <p:spPr>
           <a:xfrm>
             <a:off x="755640" y="5078520"/>
-            <a:ext cx="6047280" cy="4810680"/>
+            <a:ext cx="6046920" cy="4810320"/>
           </a:xfrm>
           <a:prstGeom prst="rect">
             <a:avLst/>
@@ -6731,7 +6731,7 @@
         <p:spPr>
           <a:xfrm>
             <a:off x="503280" y="301680"/>
-            <a:ext cx="9069840" cy="5850360"/>
+            <a:ext cx="9069480" cy="5850000"/>
           </a:xfrm>
           <a:prstGeom prst="rect">
             <a:avLst/>
@@ -6783,7 +6783,7 @@
         <p:spPr>
           <a:xfrm>
             <a:off x="6648480" y="6696000"/>
-            <a:ext cx="3358080" cy="600480"/>
+            <a:ext cx="3357720" cy="600120"/>
           </a:xfrm>
           <a:prstGeom prst="rect">
             <a:avLst/>
@@ -6907,14 +6907,14 @@
       </p:grpSpPr>
       <p:sp>
         <p:nvSpPr>
-          <p:cNvPr id="200" name="CustomShape 1"/>
+          <p:cNvPr id="199" name="CustomShape 1"/>
           <p:cNvSpPr/>
           <p:nvPr/>
         </p:nvSpPr>
         <p:spPr>
           <a:xfrm>
             <a:off x="503280" y="301680"/>
-            <a:ext cx="9069840" cy="1261080"/>
+            <a:ext cx="9069480" cy="1260720"/>
           </a:xfrm>
           <a:prstGeom prst="rect">
             <a:avLst/>
@@ -6959,14 +6959,14 @@
       </p:sp>
       <p:sp>
         <p:nvSpPr>
-          <p:cNvPr id="201" name="CustomShape 2"/>
+          <p:cNvPr id="200" name="CustomShape 2"/>
           <p:cNvSpPr/>
           <p:nvPr/>
         </p:nvSpPr>
         <p:spPr>
           <a:xfrm>
             <a:off x="144360" y="1584360"/>
-            <a:ext cx="9646200" cy="5255280"/>
+            <a:ext cx="9645840" cy="5254920"/>
           </a:xfrm>
           <a:prstGeom prst="rect">
             <a:avLst/>
@@ -7121,7 +7121,7 @@
         <p:spPr>
           <a:xfrm>
             <a:off x="216000" y="301680"/>
-            <a:ext cx="9503280" cy="5850360"/>
+            <a:ext cx="9502920" cy="5850000"/>
           </a:xfrm>
           <a:prstGeom prst="rect">
             <a:avLst/>
@@ -7260,7 +7260,7 @@
         <p:spPr>
           <a:xfrm>
             <a:off x="503280" y="1224000"/>
-            <a:ext cx="9069840" cy="5615640"/>
+            <a:ext cx="9069480" cy="5615280"/>
           </a:xfrm>
           <a:prstGeom prst="rect">
             <a:avLst/>
@@ -7279,7 +7279,7 @@
         <p:txBody>
           <a:bodyPr lIns="0" rIns="0" tIns="28440" bIns="0"/>
           <a:p>
-            <a:pPr marL="343080" indent="-342000">
+            <a:pPr marL="343080" indent="-341640">
               <a:lnSpc>
                 <a:spcPct val="100000"/>
               </a:lnSpc>
@@ -7302,7 +7302,7 @@
             <a:endParaRPr/>
           </a:p>
           <a:p>
-            <a:pPr marL="343080" indent="-342000">
+            <a:pPr marL="343080" indent="-341640">
               <a:lnSpc>
                 <a:spcPct val="100000"/>
               </a:lnSpc>
@@ -7325,7 +7325,7 @@
             <a:endParaRPr/>
           </a:p>
           <a:p>
-            <a:pPr marL="343080" indent="-342000">
+            <a:pPr marL="343080" indent="-341640">
               <a:lnSpc>
                 <a:spcPct val="100000"/>
               </a:lnSpc>
@@ -7348,7 +7348,7 @@
             <a:endParaRPr/>
           </a:p>
           <a:p>
-            <a:pPr marL="343080" indent="-342000">
+            <a:pPr marL="343080" indent="-341640">
               <a:lnSpc>
                 <a:spcPct val="100000"/>
               </a:lnSpc>
@@ -7371,7 +7371,7 @@
             <a:endParaRPr/>
           </a:p>
           <a:p>
-            <a:pPr marL="343080" indent="-342000">
+            <a:pPr marL="343080" indent="-341640">
               <a:lnSpc>
                 <a:spcPct val="100000"/>
               </a:lnSpc>
@@ -7379,7 +7379,7 @@
             <a:endParaRPr/>
           </a:p>
           <a:p>
-            <a:pPr marL="343080" indent="-342000">
+            <a:pPr marL="343080" indent="-341640">
               <a:lnSpc>
                 <a:spcPct val="100000"/>
               </a:lnSpc>
@@ -7387,7 +7387,7 @@
             <a:endParaRPr/>
           </a:p>
           <a:p>
-            <a:pPr marL="343080" indent="-342000">
+            <a:pPr marL="343080" indent="-341640">
               <a:lnSpc>
                 <a:spcPct val="100000"/>
               </a:lnSpc>
@@ -7410,7 +7410,7 @@
             <a:endParaRPr/>
           </a:p>
           <a:p>
-            <a:pPr marL="343080" indent="-342000">
+            <a:pPr marL="343080" indent="-341640">
               <a:lnSpc>
                 <a:spcPct val="100000"/>
               </a:lnSpc>
@@ -7418,7 +7418,7 @@
             <a:endParaRPr/>
           </a:p>
           <a:p>
-            <a:pPr marL="343080" indent="-342000">
+            <a:pPr marL="343080" indent="-341640">
               <a:lnSpc>
                 <a:spcPct val="100000"/>
               </a:lnSpc>
@@ -7426,7 +7426,7 @@
             <a:endParaRPr/>
           </a:p>
           <a:p>
-            <a:pPr marL="343080" indent="-342000">
+            <a:pPr marL="343080" indent="-341640">
               <a:lnSpc>
                 <a:spcPct val="100000"/>
               </a:lnSpc>
@@ -7434,7 +7434,7 @@
             <a:endParaRPr/>
           </a:p>
           <a:p>
-            <a:pPr marL="343080" indent="-342000">
+            <a:pPr marL="343080" indent="-341640">
               <a:lnSpc>
                 <a:spcPct val="100000"/>
               </a:lnSpc>
@@ -7442,7 +7442,7 @@
             <a:endParaRPr/>
           </a:p>
           <a:p>
-            <a:pPr marL="343080" indent="-342000">
+            <a:pPr marL="343080" indent="-341640">
               <a:lnSpc>
                 <a:spcPct val="100000"/>
               </a:lnSpc>
@@ -8685,227 +8685,6 @@
           </a:graphicData>
         </a:graphic>
       </p:graphicFrame>
-      <p:graphicFrame>
-        <p:nvGraphicFramePr>
-          <p:cNvPr id="157" name="Table 5"/>
-          <p:cNvGraphicFramePr/>
-          <p:nvPr/>
-        </p:nvGraphicFramePr>
-        <p:xfrm>
-          <a:off x="3106800" y="3583800"/>
-          <a:ext cx="2563920" cy="3090600"/>
-        </p:xfrm>
-        <a:graphic>
-          <a:graphicData uri="http://schemas.openxmlformats.org/drawingml/2006/table">
-            <a:tbl>
-              <a:tblPr/>
-              <a:tblGrid>
-                <a:gridCol w="2564280"/>
-              </a:tblGrid>
-              <a:tr h="603720">
-                <a:tc>
-                  <a:txBody>
-                    <a:bodyPr/>
-                    <a:p>
-                      <a:pPr>
-                        <a:lnSpc>
-                          <a:spcPct val="100000"/>
-                        </a:lnSpc>
-                      </a:pPr>
-                      <a:r>
-                        <a:rPr lang="ru-RU" sz="1800" spc="-1" strike="noStrike">
-                          <a:solidFill>
-                            <a:srgbClr val="000000"/>
-                          </a:solidFill>
-                          <a:uFill>
-                            <a:solidFill>
-                              <a:srgbClr val="ffffff"/>
-                            </a:solidFill>
-                          </a:uFill>
-                          <a:latin typeface="Arial"/>
-                        </a:rPr>
-                        <a:t>ImageButton(pygame.sprite.Sprite) </a:t>
-                      </a:r>
-                      <a:endParaRPr/>
-                    </a:p>
-                  </a:txBody>
-                  <a:tcPr marL="91440" marR="91440">
-                    <a:lnL w="12240">
-                      <a:solidFill>
-                        <a:srgbClr val="000000"/>
-                      </a:solidFill>
-                    </a:lnL>
-                    <a:lnR w="12240">
-                      <a:solidFill>
-                        <a:srgbClr val="000000"/>
-                      </a:solidFill>
-                    </a:lnR>
-                    <a:lnT w="12240">
-                      <a:solidFill>
-                        <a:srgbClr val="000000"/>
-                      </a:solidFill>
-                    </a:lnT>
-                    <a:lnB w="12240">
-                      <a:solidFill>
-                        <a:srgbClr val="000000"/>
-                      </a:solidFill>
-                    </a:lnB>
-                    <a:noFill/>
-                  </a:tcPr>
-                </a:tc>
-              </a:tr>
-              <a:tr h="347760">
-                <a:tc>
-                  <a:txBody>
-                    <a:bodyPr/>
-                    <a:p>
-                      <a:pPr>
-                        <a:lnSpc>
-                          <a:spcPct val="100000"/>
-                        </a:lnSpc>
-                      </a:pPr>
-                      <a:r>
-                        <a:rPr lang="ru-RU" sz="1800" spc="-1" strike="noStrike">
-                          <a:solidFill>
-                            <a:srgbClr val="000000"/>
-                          </a:solidFill>
-                          <a:uFill>
-                            <a:solidFill>
-                              <a:srgbClr val="ffffff"/>
-                            </a:solidFill>
-                          </a:uFill>
-                          <a:latin typeface="Arial"/>
-                        </a:rPr>
-                        <a:t>self.time: dict</a:t>
-                      </a:r>
-                      <a:endParaRPr/>
-                    </a:p>
-                  </a:txBody>
-                  <a:tcPr marL="91440" marR="91440">
-                    <a:lnL w="12240">
-                      <a:solidFill>
-                        <a:srgbClr val="000000"/>
-                      </a:solidFill>
-                    </a:lnL>
-                    <a:lnR w="12240">
-                      <a:solidFill>
-                        <a:srgbClr val="000000"/>
-                      </a:solidFill>
-                    </a:lnR>
-                    <a:lnT w="12240">
-                      <a:solidFill>
-                        <a:srgbClr val="000000"/>
-                      </a:solidFill>
-                    </a:lnT>
-                    <a:lnB w="12240">
-                      <a:solidFill>
-                        <a:srgbClr val="000000"/>
-                      </a:solidFill>
-                    </a:lnB>
-                    <a:noFill/>
-                  </a:tcPr>
-                </a:tc>
-              </a:tr>
-              <a:tr h="2139480">
-                <a:tc>
-                  <a:txBody>
-                    <a:bodyPr/>
-                    <a:p>
-                      <a:pPr>
-                        <a:lnSpc>
-                          <a:spcPct val="100000"/>
-                        </a:lnSpc>
-                      </a:pPr>
-                      <a:r>
-                        <a:rPr lang="ru-RU" sz="1800" spc="-1" strike="noStrike">
-                          <a:solidFill>
-                            <a:srgbClr val="000000"/>
-                          </a:solidFill>
-                          <a:uFill>
-                            <a:solidFill>
-                              <a:srgbClr val="ffffff"/>
-                            </a:solidFill>
-                          </a:uFill>
-                          <a:latin typeface="Arial"/>
-                        </a:rPr>
-                        <a:t>Time(self, rect, color=pygame.Color("white"), bgcolor=pygame.Color("black" last_values=None)</a:t>
-                      </a:r>
-                      <a:endParaRPr/>
-                    </a:p>
-                    <a:p>
-                      <a:pPr>
-                        <a:lnSpc>
-                          <a:spcPct val="100000"/>
-                        </a:lnSpc>
-                      </a:pPr>
-                      <a:r>
-                        <a:rPr lang="ru-RU" sz="1800" spc="-1" strike="noStrike">
-                          <a:solidFill>
-                            <a:srgbClr val="000000"/>
-                          </a:solidFill>
-                          <a:uFill>
-                            <a:solidFill>
-                              <a:srgbClr val="ffffff"/>
-                            </a:solidFill>
-                          </a:uFill>
-                          <a:latin typeface="Arial"/>
-                        </a:rPr>
-                        <a:t>update(self, ms)</a:t>
-                      </a:r>
-                      <a:endParaRPr/>
-                    </a:p>
-                    <a:p>
-                      <a:pPr>
-                        <a:lnSpc>
-                          <a:spcPct val="100000"/>
-                        </a:lnSpc>
-                      </a:pPr>
-                      <a:r>
-                        <a:rPr lang="ru-RU" sz="1800" spc="-1" strike="noStrike">
-                          <a:solidFill>
-                            <a:srgbClr val="000000"/>
-                          </a:solidFill>
-                          <a:uFill>
-                            <a:solidFill>
-                              <a:srgbClr val="ffffff"/>
-                            </a:solidFill>
-                          </a:uFill>
-                          <a:latin typeface="Arial"/>
-                        </a:rPr>
-                        <a:t>get_time(self): str</a:t>
-                      </a:r>
-                      <a:endParaRPr/>
-                    </a:p>
-                  </a:txBody>
-                  <a:tcPr marL="91440" marR="91440">
-                    <a:lnL w="12240">
-                      <a:solidFill>
-                        <a:srgbClr val="000000"/>
-                      </a:solidFill>
-                    </a:lnL>
-                    <a:lnR w="12240">
-                      <a:solidFill>
-                        <a:srgbClr val="000000"/>
-                      </a:solidFill>
-                    </a:lnR>
-                    <a:lnT w="12240">
-                      <a:solidFill>
-                        <a:srgbClr val="000000"/>
-                      </a:solidFill>
-                    </a:lnT>
-                    <a:lnB w="12240">
-                      <a:solidFill>
-                        <a:srgbClr val="000000"/>
-                      </a:solidFill>
-                    </a:lnB>
-                    <a:noFill/>
-                  </a:tcPr>
-                </a:tc>
-              </a:tr>
-            </a:tbl>
-          </a:graphicData>
-        </a:graphic>
-      </p:graphicFrame>
     </p:spTree>
   </p:cSld>
   <p:timing>
@@ -8964,7 +8743,7 @@
       </p:grpSpPr>
       <p:graphicFrame>
         <p:nvGraphicFramePr>
-          <p:cNvPr id="158" name="Table 1"/>
+          <p:cNvPr id="157" name="Table 1"/>
           <p:cNvGraphicFramePr/>
           <p:nvPr/>
         </p:nvGraphicFramePr>
@@ -9325,7 +9104,7 @@
       </p:graphicFrame>
       <p:graphicFrame>
         <p:nvGraphicFramePr>
-          <p:cNvPr id="159" name="Table 2"/>
+          <p:cNvPr id="158" name="Table 2"/>
           <p:cNvGraphicFramePr/>
           <p:nvPr/>
         </p:nvGraphicFramePr>
@@ -9766,7 +9545,7 @@
       </p:graphicFrame>
       <p:graphicFrame>
         <p:nvGraphicFramePr>
-          <p:cNvPr id="160" name="Table 3"/>
+          <p:cNvPr id="159" name="Table 3"/>
           <p:cNvGraphicFramePr/>
           <p:nvPr/>
         </p:nvGraphicFramePr>
@@ -10117,14 +9896,14 @@
       </p:grpSpPr>
       <p:sp>
         <p:nvSpPr>
-          <p:cNvPr id="161" name="CustomShape 1"/>
+          <p:cNvPr id="160" name="CustomShape 1"/>
           <p:cNvSpPr/>
           <p:nvPr/>
         </p:nvSpPr>
         <p:spPr>
           <a:xfrm>
             <a:off x="503280" y="301680"/>
-            <a:ext cx="9069840" cy="1261080"/>
+            <a:ext cx="9069480" cy="1260720"/>
           </a:xfrm>
           <a:prstGeom prst="rect">
             <a:avLst/>
@@ -10169,14 +9948,14 @@
       </p:sp>
       <p:sp>
         <p:nvSpPr>
-          <p:cNvPr id="162" name="CustomShape 2"/>
+          <p:cNvPr id="161" name="CustomShape 2"/>
           <p:cNvSpPr/>
           <p:nvPr/>
         </p:nvSpPr>
         <p:spPr>
           <a:xfrm>
             <a:off x="144000" y="1249920"/>
-            <a:ext cx="9590760" cy="6885360"/>
+            <a:ext cx="9590400" cy="6885000"/>
           </a:xfrm>
           <a:prstGeom prst="rect">
             <a:avLst/>
@@ -10195,7 +9974,7 @@
         <p:txBody>
           <a:bodyPr lIns="90000" rIns="90000" tIns="66240" bIns="45000"/>
           <a:p>
-            <a:pPr marL="212760" indent="-211680">
+            <a:pPr marL="212760" indent="-211320">
               <a:lnSpc>
                 <a:spcPct val="100000"/>
               </a:lnSpc>
@@ -10221,7 +10000,7 @@
             <a:endParaRPr/>
           </a:p>
           <a:p>
-            <a:pPr marL="212760" indent="-211680">
+            <a:pPr marL="212760" indent="-211320">
               <a:lnSpc>
                 <a:spcPct val="100000"/>
               </a:lnSpc>
@@ -10244,7 +10023,7 @@
             <a:endParaRPr/>
           </a:p>
           <a:p>
-            <a:pPr marL="212760" indent="-211680">
+            <a:pPr marL="212760" indent="-211320">
               <a:lnSpc>
                 <a:spcPct val="100000"/>
               </a:lnSpc>
@@ -10267,7 +10046,7 @@
             <a:endParaRPr/>
           </a:p>
           <a:p>
-            <a:pPr marL="212760" indent="-211680">
+            <a:pPr marL="212760" indent="-211320">
               <a:lnSpc>
                 <a:spcPct val="100000"/>
               </a:lnSpc>
@@ -10290,7 +10069,7 @@
             <a:endParaRPr/>
           </a:p>
           <a:p>
-            <a:pPr marL="212760" indent="-211680">
+            <a:pPr marL="212760" indent="-211320">
               <a:lnSpc>
                 <a:spcPct val="100000"/>
               </a:lnSpc>
@@ -10313,7 +10092,7 @@
             <a:endParaRPr/>
           </a:p>
           <a:p>
-            <a:pPr marL="212760" indent="-211680">
+            <a:pPr marL="212760" indent="-211320">
               <a:lnSpc>
                 <a:spcPct val="100000"/>
               </a:lnSpc>
@@ -10336,7 +10115,7 @@
             <a:endParaRPr/>
           </a:p>
           <a:p>
-            <a:pPr marL="212760" indent="-211680">
+            <a:pPr marL="212760" indent="-211320">
               <a:lnSpc>
                 <a:spcPct val="100000"/>
               </a:lnSpc>
@@ -10359,7 +10138,7 @@
             <a:endParaRPr/>
           </a:p>
           <a:p>
-            <a:pPr marL="212760" indent="-211680">
+            <a:pPr marL="212760" indent="-211320">
               <a:lnSpc>
                 <a:spcPct val="100000"/>
               </a:lnSpc>
@@ -10382,7 +10161,7 @@
             <a:endParaRPr/>
           </a:p>
           <a:p>
-            <a:pPr marL="212760" indent="-211680">
+            <a:pPr marL="212760" indent="-211320">
               <a:lnSpc>
                 <a:spcPct val="100000"/>
               </a:lnSpc>
@@ -10405,7 +10184,7 @@
             <a:endParaRPr/>
           </a:p>
           <a:p>
-            <a:pPr marL="212760" indent="-211680">
+            <a:pPr marL="212760" indent="-211320">
               <a:lnSpc>
                 <a:spcPct val="100000"/>
               </a:lnSpc>
@@ -10431,7 +10210,7 @@
             <a:endParaRPr/>
           </a:p>
           <a:p>
-            <a:pPr marL="212760" indent="-211680">
+            <a:pPr marL="212760" indent="-211320">
               <a:lnSpc>
                 <a:spcPct val="100000"/>
               </a:lnSpc>
@@ -10454,7 +10233,7 @@
             <a:endParaRPr/>
           </a:p>
           <a:p>
-            <a:pPr marL="212760" indent="-211680">
+            <a:pPr marL="212760" indent="-211320">
               <a:lnSpc>
                 <a:spcPct val="100000"/>
               </a:lnSpc>
@@ -10480,7 +10259,7 @@
             <a:endParaRPr/>
           </a:p>
           <a:p>
-            <a:pPr marL="212760" indent="-211680">
+            <a:pPr marL="212760" indent="-211320">
               <a:lnSpc>
                 <a:spcPct val="100000"/>
               </a:lnSpc>
@@ -10503,7 +10282,7 @@
             <a:endParaRPr/>
           </a:p>
           <a:p>
-            <a:pPr marL="212760" indent="-211680">
+            <a:pPr marL="212760" indent="-211320">
               <a:lnSpc>
                 <a:spcPct val="100000"/>
               </a:lnSpc>
@@ -10529,7 +10308,7 @@
             <a:endParaRPr/>
           </a:p>
           <a:p>
-            <a:pPr marL="212760" indent="-211680">
+            <a:pPr marL="212760" indent="-211320">
               <a:lnSpc>
                 <a:spcPct val="100000"/>
               </a:lnSpc>
@@ -10552,7 +10331,7 @@
             <a:endParaRPr/>
           </a:p>
           <a:p>
-            <a:pPr marL="212760" indent="-211680">
+            <a:pPr marL="212760" indent="-211320">
               <a:lnSpc>
                 <a:spcPct val="100000"/>
               </a:lnSpc>
@@ -10560,7 +10339,7 @@
             <a:endParaRPr/>
           </a:p>
           <a:p>
-            <a:pPr marL="212760" indent="-211680">
+            <a:pPr marL="212760" indent="-211320">
               <a:lnSpc>
                 <a:spcPct val="100000"/>
               </a:lnSpc>
@@ -10568,7 +10347,7 @@
             <a:endParaRPr/>
           </a:p>
           <a:p>
-            <a:pPr marL="212760" indent="-211680">
+            <a:pPr marL="212760" indent="-211320">
               <a:lnSpc>
                 <a:spcPct val="100000"/>
               </a:lnSpc>
@@ -10576,7 +10355,7 @@
             <a:endParaRPr/>
           </a:p>
           <a:p>
-            <a:pPr marL="212760" indent="-211680">
+            <a:pPr marL="212760" indent="-211320">
               <a:lnSpc>
                 <a:spcPct val="100000"/>
               </a:lnSpc>
@@ -10643,14 +10422,14 @@
       </p:grpSpPr>
       <p:sp>
         <p:nvSpPr>
-          <p:cNvPr id="163" name="CustomShape 1"/>
+          <p:cNvPr id="162" name="CustomShape 1"/>
           <p:cNvSpPr/>
           <p:nvPr/>
         </p:nvSpPr>
         <p:spPr>
           <a:xfrm>
             <a:off x="200160" y="216000"/>
-            <a:ext cx="9590760" cy="7225200"/>
+            <a:ext cx="9590400" cy="7224840"/>
           </a:xfrm>
           <a:prstGeom prst="rect">
             <a:avLst/>
@@ -10669,7 +10448,7 @@
         <p:txBody>
           <a:bodyPr lIns="90000" rIns="90000" tIns="66240" bIns="45000"/>
           <a:p>
-            <a:pPr marL="212760" indent="-211680">
+            <a:pPr marL="212760" indent="-211320">
               <a:lnSpc>
                 <a:spcPct val="100000"/>
               </a:lnSpc>
@@ -10695,7 +10474,7 @@
             <a:endParaRPr/>
           </a:p>
           <a:p>
-            <a:pPr marL="212760" indent="-211680">
+            <a:pPr marL="212760" indent="-211320">
               <a:lnSpc>
                 <a:spcPct val="100000"/>
               </a:lnSpc>
@@ -10718,7 +10497,7 @@
             <a:endParaRPr/>
           </a:p>
           <a:p>
-            <a:pPr marL="212760" indent="-211680">
+            <a:pPr marL="212760" indent="-211320">
               <a:lnSpc>
                 <a:spcPct val="100000"/>
               </a:lnSpc>
@@ -10744,7 +10523,7 @@
             <a:endParaRPr/>
           </a:p>
           <a:p>
-            <a:pPr marL="212760" indent="-211680">
+            <a:pPr marL="212760" indent="-211320">
               <a:lnSpc>
                 <a:spcPct val="100000"/>
               </a:lnSpc>
@@ -10767,7 +10546,7 @@
             <a:endParaRPr/>
           </a:p>
           <a:p>
-            <a:pPr marL="212760" indent="-211680">
+            <a:pPr marL="212760" indent="-211320">
               <a:lnSpc>
                 <a:spcPct val="100000"/>
               </a:lnSpc>
@@ -10793,7 +10572,7 @@
             <a:endParaRPr/>
           </a:p>
           <a:p>
-            <a:pPr marL="212760" indent="-211680">
+            <a:pPr marL="212760" indent="-211320">
               <a:lnSpc>
                 <a:spcPct val="100000"/>
               </a:lnSpc>
@@ -10816,7 +10595,7 @@
             <a:endParaRPr/>
           </a:p>
           <a:p>
-            <a:pPr marL="212760" indent="-211680">
+            <a:pPr marL="212760" indent="-211320">
               <a:lnSpc>
                 <a:spcPct val="100000"/>
               </a:lnSpc>
@@ -10842,7 +10621,7 @@
             <a:endParaRPr/>
           </a:p>
           <a:p>
-            <a:pPr marL="212760" indent="-211680">
+            <a:pPr marL="212760" indent="-211320">
               <a:lnSpc>
                 <a:spcPct val="100000"/>
               </a:lnSpc>
@@ -10865,7 +10644,7 @@
             <a:endParaRPr/>
           </a:p>
           <a:p>
-            <a:pPr marL="212760" indent="-211680">
+            <a:pPr marL="212760" indent="-211320">
               <a:lnSpc>
                 <a:spcPct val="100000"/>
               </a:lnSpc>
@@ -10891,7 +10670,7 @@
             <a:endParaRPr/>
           </a:p>
           <a:p>
-            <a:pPr marL="212760" indent="-211680">
+            <a:pPr marL="212760" indent="-211320">
               <a:lnSpc>
                 <a:spcPct val="100000"/>
               </a:lnSpc>
@@ -10914,7 +10693,7 @@
             <a:endParaRPr/>
           </a:p>
           <a:p>
-            <a:pPr marL="212760" indent="-211680">
+            <a:pPr marL="212760" indent="-211320">
               <a:lnSpc>
                 <a:spcPct val="100000"/>
               </a:lnSpc>
@@ -10940,7 +10719,7 @@
             <a:endParaRPr/>
           </a:p>
           <a:p>
-            <a:pPr marL="212760" indent="-211680">
+            <a:pPr marL="212760" indent="-211320">
               <a:lnSpc>
                 <a:spcPct val="100000"/>
               </a:lnSpc>
@@ -10963,7 +10742,7 @@
             <a:endParaRPr/>
           </a:p>
           <a:p>
-            <a:pPr marL="212760" indent="-211680">
+            <a:pPr marL="212760" indent="-211320">
               <a:lnSpc>
                 <a:spcPct val="100000"/>
               </a:lnSpc>
@@ -10989,7 +10768,7 @@
             <a:endParaRPr/>
           </a:p>
           <a:p>
-            <a:pPr marL="212760" indent="-211680">
+            <a:pPr marL="212760" indent="-211320">
               <a:lnSpc>
                 <a:spcPct val="100000"/>
               </a:lnSpc>
@@ -11012,7 +10791,7 @@
             <a:endParaRPr/>
           </a:p>
           <a:p>
-            <a:pPr marL="212760" indent="-211680">
+            <a:pPr marL="212760" indent="-211320">
               <a:lnSpc>
                 <a:spcPct val="100000"/>
               </a:lnSpc>
@@ -11038,7 +10817,7 @@
             <a:endParaRPr/>
           </a:p>
           <a:p>
-            <a:pPr marL="212760" indent="-211680">
+            <a:pPr marL="212760" indent="-211320">
               <a:lnSpc>
                 <a:spcPct val="100000"/>
               </a:lnSpc>
@@ -11061,7 +10840,7 @@
             <a:endParaRPr/>
           </a:p>
           <a:p>
-            <a:pPr marL="212760" indent="-211680">
+            <a:pPr marL="212760" indent="-211320">
               <a:lnSpc>
                 <a:spcPct val="100000"/>
               </a:lnSpc>
@@ -11069,7 +10848,7 @@
             <a:endParaRPr/>
           </a:p>
           <a:p>
-            <a:pPr marL="212760" indent="-211680">
+            <a:pPr marL="212760" indent="-211320">
               <a:lnSpc>
                 <a:spcPct val="100000"/>
               </a:lnSpc>
@@ -11077,7 +10856,7 @@
             <a:endParaRPr/>
           </a:p>
           <a:p>
-            <a:pPr marL="212760" indent="-211680">
+            <a:pPr marL="212760" indent="-211320">
               <a:lnSpc>
                 <a:spcPct val="100000"/>
               </a:lnSpc>
@@ -11085,7 +10864,7 @@
             <a:endParaRPr/>
           </a:p>
           <a:p>
-            <a:pPr marL="212760" indent="-211680">
+            <a:pPr marL="212760" indent="-211320">
               <a:lnSpc>
                 <a:spcPct val="100000"/>
               </a:lnSpc>
@@ -11152,14 +10931,14 @@
       </p:grpSpPr>
       <p:sp>
         <p:nvSpPr>
-          <p:cNvPr id="164" name="CustomShape 1"/>
+          <p:cNvPr id="163" name="CustomShape 1"/>
           <p:cNvSpPr/>
           <p:nvPr/>
         </p:nvSpPr>
         <p:spPr>
           <a:xfrm>
             <a:off x="503280" y="301680"/>
-            <a:ext cx="9069840" cy="1261080"/>
+            <a:ext cx="9069480" cy="1260720"/>
           </a:xfrm>
           <a:prstGeom prst="rect">
             <a:avLst/>
@@ -11204,14 +10983,14 @@
       </p:sp>
       <p:sp>
         <p:nvSpPr>
-          <p:cNvPr id="165" name="CustomShape 2"/>
+          <p:cNvPr id="164" name="CustomShape 2"/>
           <p:cNvSpPr/>
           <p:nvPr/>
         </p:nvSpPr>
         <p:spPr>
           <a:xfrm>
             <a:off x="216000" y="1514520"/>
-            <a:ext cx="9971640" cy="3488400"/>
+            <a:ext cx="9971280" cy="3488040"/>
           </a:xfrm>
           <a:prstGeom prst="rect">
             <a:avLst/>
@@ -11230,7 +11009,7 @@
         <p:txBody>
           <a:bodyPr lIns="90000" rIns="90000" tIns="66240" bIns="45000"/>
           <a:p>
-            <a:pPr marL="212760" indent="-211680">
+            <a:pPr marL="212760" indent="-211320">
               <a:lnSpc>
                 <a:spcPct val="100000"/>
               </a:lnSpc>
@@ -11256,7 +11035,7 @@
             <a:endParaRPr/>
           </a:p>
           <a:p>
-            <a:pPr marL="212760" indent="-211680">
+            <a:pPr marL="212760" indent="-211320">
               <a:lnSpc>
                 <a:spcPct val="100000"/>
               </a:lnSpc>
@@ -11282,7 +11061,7 @@
             <a:endParaRPr/>
           </a:p>
           <a:p>
-            <a:pPr marL="212760" indent="-211680">
+            <a:pPr marL="212760" indent="-211320">
               <a:lnSpc>
                 <a:spcPct val="100000"/>
               </a:lnSpc>
@@ -11308,7 +11087,7 @@
             <a:endParaRPr/>
           </a:p>
           <a:p>
-            <a:pPr marL="212760" indent="-211680">
+            <a:pPr marL="212760" indent="-211320">
               <a:lnSpc>
                 <a:spcPct val="100000"/>
               </a:lnSpc>
@@ -11334,7 +11113,7 @@
             <a:endParaRPr/>
           </a:p>
           <a:p>
-            <a:pPr marL="212760" indent="-211680">
+            <a:pPr marL="212760" indent="-211320">
               <a:lnSpc>
                 <a:spcPct val="100000"/>
               </a:lnSpc>
@@ -11360,7 +11139,7 @@
             <a:endParaRPr/>
           </a:p>
           <a:p>
-            <a:pPr marL="212760" indent="-211680">
+            <a:pPr marL="212760" indent="-211320">
               <a:lnSpc>
                 <a:spcPct val="100000"/>
               </a:lnSpc>
@@ -11386,7 +11165,7 @@
             <a:endParaRPr/>
           </a:p>
           <a:p>
-            <a:pPr marL="212760" indent="-211680">
+            <a:pPr marL="212760" indent="-211320">
               <a:lnSpc>
                 <a:spcPct val="100000"/>
               </a:lnSpc>
@@ -11412,7 +11191,7 @@
             <a:endParaRPr/>
           </a:p>
           <a:p>
-            <a:pPr marL="212760" indent="-211680">
+            <a:pPr marL="212760" indent="-211320">
               <a:lnSpc>
                 <a:spcPct val="100000"/>
               </a:lnSpc>
@@ -11438,7 +11217,7 @@
             <a:endParaRPr/>
           </a:p>
           <a:p>
-            <a:pPr marL="212760" indent="-211680">
+            <a:pPr marL="212760" indent="-211320">
               <a:lnSpc>
                 <a:spcPct val="100000"/>
               </a:lnSpc>
@@ -11464,7 +11243,7 @@
             <a:endParaRPr/>
           </a:p>
           <a:p>
-            <a:pPr marL="212760" indent="-211680">
+            <a:pPr marL="212760" indent="-211320">
               <a:lnSpc>
                 <a:spcPct val="100000"/>
               </a:lnSpc>
@@ -11549,14 +11328,14 @@
       </p:grpSpPr>
       <p:sp>
         <p:nvSpPr>
-          <p:cNvPr id="166" name="CustomShape 1"/>
+          <p:cNvPr id="165" name="CustomShape 1"/>
           <p:cNvSpPr/>
           <p:nvPr/>
         </p:nvSpPr>
         <p:spPr>
           <a:xfrm>
             <a:off x="3813840" y="4973400"/>
-            <a:ext cx="3601080" cy="857880"/>
+            <a:ext cx="3600720" cy="857520"/>
           </a:xfrm>
           <a:prstGeom prst="rect">
             <a:avLst/>
@@ -11677,14 +11456,14 @@
       </p:sp>
       <p:sp>
         <p:nvSpPr>
-          <p:cNvPr id="167" name="CustomShape 2"/>
+          <p:cNvPr id="166" name="CustomShape 2"/>
           <p:cNvSpPr/>
           <p:nvPr/>
         </p:nvSpPr>
         <p:spPr>
           <a:xfrm>
             <a:off x="6237720" y="3671640"/>
-            <a:ext cx="673560" cy="344880"/>
+            <a:ext cx="673200" cy="344520"/>
           </a:xfrm>
           <a:prstGeom prst="rect">
             <a:avLst/>
@@ -11729,14 +11508,14 @@
       </p:sp>
       <p:sp>
         <p:nvSpPr>
-          <p:cNvPr id="168" name="CustomShape 3"/>
+          <p:cNvPr id="167" name="CustomShape 3"/>
           <p:cNvSpPr/>
           <p:nvPr/>
         </p:nvSpPr>
         <p:spPr>
           <a:xfrm>
             <a:off x="4775760" y="2460240"/>
-            <a:ext cx="840240" cy="344880"/>
+            <a:ext cx="839880" cy="344520"/>
           </a:xfrm>
           <a:prstGeom prst="rect">
             <a:avLst/>
@@ -11781,14 +11560,14 @@
       </p:sp>
       <p:sp>
         <p:nvSpPr>
-          <p:cNvPr id="169" name="CustomShape 4"/>
+          <p:cNvPr id="168" name="CustomShape 4"/>
           <p:cNvSpPr/>
           <p:nvPr/>
         </p:nvSpPr>
         <p:spPr>
           <a:xfrm>
             <a:off x="4807440" y="1798560"/>
-            <a:ext cx="735480" cy="344880"/>
+            <a:ext cx="735120" cy="344520"/>
           </a:xfrm>
           <a:prstGeom prst="rect">
             <a:avLst/>
@@ -11833,14 +11612,14 @@
       </p:sp>
       <p:sp>
         <p:nvSpPr>
-          <p:cNvPr id="170" name="CustomShape 5"/>
+          <p:cNvPr id="169" name="CustomShape 5"/>
           <p:cNvSpPr/>
           <p:nvPr/>
         </p:nvSpPr>
         <p:spPr>
           <a:xfrm>
             <a:off x="8136360" y="3684240"/>
-            <a:ext cx="991080" cy="344880"/>
+            <a:ext cx="990720" cy="344520"/>
           </a:xfrm>
           <a:prstGeom prst="rect">
             <a:avLst/>
@@ -11885,14 +11664,14 @@
       </p:sp>
       <p:sp>
         <p:nvSpPr>
-          <p:cNvPr id="171" name="CustomShape 6"/>
+          <p:cNvPr id="170" name="CustomShape 6"/>
           <p:cNvSpPr/>
           <p:nvPr/>
         </p:nvSpPr>
         <p:spPr>
           <a:xfrm>
             <a:off x="7388640" y="2374560"/>
-            <a:ext cx="1394280" cy="344880"/>
+            <a:ext cx="1393920" cy="344520"/>
           </a:xfrm>
           <a:prstGeom prst="rect">
             <a:avLst/>
@@ -11937,14 +11716,14 @@
       </p:sp>
       <p:sp>
         <p:nvSpPr>
-          <p:cNvPr id="172" name="CustomShape 7"/>
+          <p:cNvPr id="171" name="CustomShape 7"/>
           <p:cNvSpPr/>
           <p:nvPr/>
         </p:nvSpPr>
         <p:spPr>
           <a:xfrm>
             <a:off x="6644160" y="1366560"/>
-            <a:ext cx="1346760" cy="344880"/>
+            <a:ext cx="1346400" cy="344520"/>
           </a:xfrm>
           <a:prstGeom prst="rect">
             <a:avLst/>
@@ -11989,14 +11768,14 @@
       </p:sp>
       <p:sp>
         <p:nvSpPr>
-          <p:cNvPr id="173" name="CustomShape 8"/>
+          <p:cNvPr id="172" name="CustomShape 8"/>
           <p:cNvSpPr/>
           <p:nvPr/>
         </p:nvSpPr>
         <p:spPr>
           <a:xfrm>
             <a:off x="4574160" y="4404960"/>
-            <a:ext cx="1473840" cy="344880"/>
+            <a:ext cx="1473480" cy="344520"/>
           </a:xfrm>
           <a:prstGeom prst="rect">
             <a:avLst/>
@@ -12041,14 +11820,14 @@
       </p:sp>
       <p:sp>
         <p:nvSpPr>
-          <p:cNvPr id="174" name="CustomShape 9"/>
+          <p:cNvPr id="173" name="CustomShape 9"/>
           <p:cNvSpPr/>
           <p:nvPr/>
         </p:nvSpPr>
         <p:spPr>
           <a:xfrm>
             <a:off x="3385080" y="2388960"/>
-            <a:ext cx="678240" cy="344880"/>
+            <a:ext cx="677880" cy="344520"/>
           </a:xfrm>
           <a:prstGeom prst="rect">
             <a:avLst/>
@@ -12093,14 +11872,14 @@
       </p:sp>
       <p:sp>
         <p:nvSpPr>
-          <p:cNvPr id="175" name="CustomShape 10"/>
+          <p:cNvPr id="174" name="CustomShape 10"/>
           <p:cNvSpPr/>
           <p:nvPr/>
         </p:nvSpPr>
         <p:spPr>
           <a:xfrm>
             <a:off x="1080000" y="3527280"/>
-            <a:ext cx="1877040" cy="344880"/>
+            <a:ext cx="1876680" cy="344520"/>
           </a:xfrm>
           <a:prstGeom prst="rect">
             <a:avLst/>
@@ -12145,14 +11924,14 @@
       </p:sp>
       <p:sp>
         <p:nvSpPr>
-          <p:cNvPr id="176" name="CustomShape 11"/>
+          <p:cNvPr id="175" name="CustomShape 11"/>
           <p:cNvSpPr/>
           <p:nvPr/>
         </p:nvSpPr>
         <p:spPr>
           <a:xfrm>
             <a:off x="2437200" y="2820600"/>
-            <a:ext cx="800640" cy="344880"/>
+            <a:ext cx="800280" cy="344520"/>
           </a:xfrm>
           <a:prstGeom prst="rect">
             <a:avLst/>
@@ -12197,14 +11976,14 @@
       </p:sp>
       <p:sp>
         <p:nvSpPr>
-          <p:cNvPr id="177" name="CustomShape 12"/>
+          <p:cNvPr id="176" name="CustomShape 12"/>
           <p:cNvSpPr/>
           <p:nvPr/>
         </p:nvSpPr>
         <p:spPr>
           <a:xfrm>
             <a:off x="1872360" y="1885680"/>
-            <a:ext cx="1079640" cy="417960"/>
+            <a:ext cx="1079280" cy="417600"/>
           </a:xfrm>
           <a:prstGeom prst="rect">
             <a:avLst/>
@@ -12249,14 +12028,14 @@
       </p:sp>
       <p:sp>
         <p:nvSpPr>
-          <p:cNvPr id="178" name="CustomShape 13"/>
+          <p:cNvPr id="177" name="CustomShape 13"/>
           <p:cNvSpPr/>
           <p:nvPr/>
         </p:nvSpPr>
         <p:spPr>
           <a:xfrm>
             <a:off x="864000" y="2519280"/>
-            <a:ext cx="673560" cy="344880"/>
+            <a:ext cx="673200" cy="344520"/>
           </a:xfrm>
           <a:prstGeom prst="rect">
             <a:avLst/>
@@ -12301,14 +12080,14 @@
       </p:sp>
       <p:sp>
         <p:nvSpPr>
-          <p:cNvPr id="179" name="CustomShape 14"/>
+          <p:cNvPr id="178" name="CustomShape 14"/>
           <p:cNvSpPr/>
           <p:nvPr/>
         </p:nvSpPr>
         <p:spPr>
           <a:xfrm>
             <a:off x="3672360" y="3684240"/>
-            <a:ext cx="749880" cy="344880"/>
+            <a:ext cx="749520" cy="344520"/>
           </a:xfrm>
           <a:prstGeom prst="rect">
             <a:avLst/>
@@ -12353,7 +12132,7 @@
       </p:sp>
       <p:sp>
         <p:nvSpPr>
-          <p:cNvPr id="180" name="Line 15"/>
+          <p:cNvPr id="179" name="Line 15"/>
           <p:cNvSpPr/>
           <p:nvPr/>
         </p:nvSpPr>
@@ -12382,7 +12161,7 @@
       </p:sp>
       <p:sp>
         <p:nvSpPr>
-          <p:cNvPr id="181" name="Line 16"/>
+          <p:cNvPr id="180" name="Line 16"/>
           <p:cNvSpPr/>
           <p:nvPr/>
         </p:nvSpPr>
@@ -12411,7 +12190,7 @@
       </p:sp>
       <p:sp>
         <p:nvSpPr>
-          <p:cNvPr id="182" name="Line 17"/>
+          <p:cNvPr id="181" name="Line 17"/>
           <p:cNvSpPr/>
           <p:nvPr/>
         </p:nvSpPr>
@@ -12440,7 +12219,7 @@
       </p:sp>
       <p:sp>
         <p:nvSpPr>
-          <p:cNvPr id="183" name="Line 18"/>
+          <p:cNvPr id="182" name="Line 18"/>
           <p:cNvSpPr/>
           <p:nvPr/>
         </p:nvSpPr>
@@ -12469,7 +12248,7 @@
       </p:sp>
       <p:sp>
         <p:nvSpPr>
-          <p:cNvPr id="184" name="Line 19"/>
+          <p:cNvPr id="183" name="Line 19"/>
           <p:cNvSpPr/>
           <p:nvPr/>
         </p:nvSpPr>
@@ -12498,7 +12277,7 @@
       </p:sp>
       <p:sp>
         <p:nvSpPr>
-          <p:cNvPr id="185" name="Line 20"/>
+          <p:cNvPr id="184" name="Line 20"/>
           <p:cNvSpPr/>
           <p:nvPr/>
         </p:nvSpPr>
@@ -12527,7 +12306,7 @@
       </p:sp>
       <p:sp>
         <p:nvSpPr>
-          <p:cNvPr id="186" name="Line 21"/>
+          <p:cNvPr id="185" name="Line 21"/>
           <p:cNvSpPr/>
           <p:nvPr/>
         </p:nvSpPr>
@@ -12556,7 +12335,7 @@
       </p:sp>
       <p:sp>
         <p:nvSpPr>
-          <p:cNvPr id="187" name="Line 22"/>
+          <p:cNvPr id="186" name="Line 22"/>
           <p:cNvSpPr/>
           <p:nvPr/>
         </p:nvSpPr>
@@ -12585,7 +12364,7 @@
       </p:sp>
       <p:sp>
         <p:nvSpPr>
-          <p:cNvPr id="188" name="Line 23"/>
+          <p:cNvPr id="187" name="Line 23"/>
           <p:cNvSpPr/>
           <p:nvPr/>
         </p:nvSpPr>
@@ -12614,7 +12393,7 @@
       </p:sp>
       <p:sp>
         <p:nvSpPr>
-          <p:cNvPr id="189" name="Line 24"/>
+          <p:cNvPr id="188" name="Line 24"/>
           <p:cNvSpPr/>
           <p:nvPr/>
         </p:nvSpPr>
@@ -12643,7 +12422,7 @@
       </p:sp>
       <p:sp>
         <p:nvSpPr>
-          <p:cNvPr id="190" name="Line 25"/>
+          <p:cNvPr id="189" name="Line 25"/>
           <p:cNvSpPr/>
           <p:nvPr/>
         </p:nvSpPr>
@@ -12672,7 +12451,7 @@
       </p:sp>
       <p:sp>
         <p:nvSpPr>
-          <p:cNvPr id="191" name="Line 26"/>
+          <p:cNvPr id="190" name="Line 26"/>
           <p:cNvSpPr/>
           <p:nvPr/>
         </p:nvSpPr>
@@ -12701,7 +12480,7 @@
       </p:sp>
       <p:sp>
         <p:nvSpPr>
-          <p:cNvPr id="192" name="Line 27"/>
+          <p:cNvPr id="191" name="Line 27"/>
           <p:cNvSpPr/>
           <p:nvPr/>
         </p:nvSpPr>
@@ -12730,7 +12509,7 @@
       </p:sp>
       <p:sp>
         <p:nvSpPr>
-          <p:cNvPr id="193" name="Line 28"/>
+          <p:cNvPr id="192" name="Line 28"/>
           <p:cNvSpPr/>
           <p:nvPr/>
         </p:nvSpPr>
@@ -12759,7 +12538,7 @@
       </p:sp>
       <p:sp>
         <p:nvSpPr>
-          <p:cNvPr id="194" name="Line 29"/>
+          <p:cNvPr id="193" name="Line 29"/>
           <p:cNvSpPr/>
           <p:nvPr/>
         </p:nvSpPr>
@@ -12788,7 +12567,7 @@
       </p:sp>
       <p:sp>
         <p:nvSpPr>
-          <p:cNvPr id="195" name="Line 30"/>
+          <p:cNvPr id="194" name="Line 30"/>
           <p:cNvSpPr/>
           <p:nvPr/>
         </p:nvSpPr>
@@ -12817,7 +12596,7 @@
       </p:sp>
       <p:sp>
         <p:nvSpPr>
-          <p:cNvPr id="196" name="Line 31"/>
+          <p:cNvPr id="195" name="Line 31"/>
           <p:cNvSpPr/>
           <p:nvPr/>
         </p:nvSpPr>
@@ -12846,7 +12625,7 @@
       </p:sp>
       <p:sp>
         <p:nvSpPr>
-          <p:cNvPr id="197" name="Line 32"/>
+          <p:cNvPr id="196" name="Line 32"/>
           <p:cNvSpPr/>
           <p:nvPr/>
         </p:nvSpPr>
@@ -12875,7 +12654,7 @@
       </p:sp>
       <p:sp>
         <p:nvSpPr>
-          <p:cNvPr id="198" name="Line 33"/>
+          <p:cNvPr id="197" name="Line 33"/>
           <p:cNvSpPr/>
           <p:nvPr/>
         </p:nvSpPr>
@@ -12904,7 +12683,7 @@
       </p:sp>
       <p:sp>
         <p:nvSpPr>
-          <p:cNvPr id="199" name="Line 34"/>
+          <p:cNvPr id="198" name="Line 34"/>
           <p:cNvSpPr/>
           <p:nvPr/>
         </p:nvSpPr>
